--- a/발표/팀 발표자료.pptx
+++ b/발표/팀 발표자료.pptx
@@ -40,13 +40,13 @@
       <p:bold r:id="rId23"/>
     </p:embeddedFont>
     <p:embeddedFont>
-      <p:font typeface="HY견고딕" panose="02030600000101010101" pitchFamily="18" charset="-127"/>
-      <p:regular r:id="rId24"/>
+      <p:font typeface="Segoe UI Black" panose="020B0A02040204020203" pitchFamily="34" charset="0"/>
+      <p:bold r:id="rId24"/>
+      <p:boldItalic r:id="rId25"/>
     </p:embeddedFont>
     <p:embeddedFont>
-      <p:font typeface="Segoe UI Black" panose="020B0A02040204020203" pitchFamily="34" charset="0"/>
-      <p:bold r:id="rId25"/>
-      <p:boldItalic r:id="rId26"/>
+      <p:font typeface="HY견고딕" panose="02030600000101010101" pitchFamily="18" charset="-127"/>
+      <p:regular r:id="rId26"/>
     </p:embeddedFont>
   </p:embeddedFontLst>
   <p:defaultTextStyle>
@@ -4953,7 +4953,7 @@
           <p:cNvPr id="9" name="직사각형 8">
             <a:extLst>
               <a:ext uri="{FF2B5EF4-FFF2-40B4-BE49-F238E27FC236}">
-                <a16:creationId xmlns:a16="http://schemas.microsoft.com/office/drawing/2014/main" xmlns="" id="{39A510E2-D9D5-4D5A-A304-57829E4DA548}"/>
+                <a16:creationId xmlns="" xmlns:a16="http://schemas.microsoft.com/office/drawing/2014/main" id="{39A510E2-D9D5-4D5A-A304-57829E4DA548}"/>
               </a:ext>
             </a:extLst>
           </p:cNvPr>
@@ -5007,7 +5007,7 @@
           <p:cNvPr id="4" name="직사각형 3">
             <a:extLst>
               <a:ext uri="{FF2B5EF4-FFF2-40B4-BE49-F238E27FC236}">
-                <a16:creationId xmlns:a16="http://schemas.microsoft.com/office/drawing/2014/main" xmlns="" id="{905A6768-C509-40A1-8F38-868F5189A211}"/>
+                <a16:creationId xmlns="" xmlns:a16="http://schemas.microsoft.com/office/drawing/2014/main" id="{905A6768-C509-40A1-8F38-868F5189A211}"/>
               </a:ext>
             </a:extLst>
           </p:cNvPr>
@@ -5059,7 +5059,7 @@
           <p:cNvPr id="5" name="이등변 삼각형 4">
             <a:extLst>
               <a:ext uri="{FF2B5EF4-FFF2-40B4-BE49-F238E27FC236}">
-                <a16:creationId xmlns:a16="http://schemas.microsoft.com/office/drawing/2014/main" xmlns="" id="{3D646951-F794-4A1A-A846-4AE70C9462AB}"/>
+                <a16:creationId xmlns="" xmlns:a16="http://schemas.microsoft.com/office/drawing/2014/main" id="{3D646951-F794-4A1A-A846-4AE70C9462AB}"/>
               </a:ext>
             </a:extLst>
           </p:cNvPr>
@@ -5111,7 +5111,7 @@
           <p:cNvPr id="6" name="TextBox 5">
             <a:extLst>
               <a:ext uri="{FF2B5EF4-FFF2-40B4-BE49-F238E27FC236}">
-                <a16:creationId xmlns:a16="http://schemas.microsoft.com/office/drawing/2014/main" xmlns="" id="{3F976487-C200-4E85-A920-C27A40CEEABD}"/>
+                <a16:creationId xmlns="" xmlns:a16="http://schemas.microsoft.com/office/drawing/2014/main" id="{3F976487-C200-4E85-A920-C27A40CEEABD}"/>
               </a:ext>
             </a:extLst>
           </p:cNvPr>
@@ -5157,7 +5157,7 @@
           <p:cNvPr id="11" name="직사각형 10">
             <a:extLst>
               <a:ext uri="{FF2B5EF4-FFF2-40B4-BE49-F238E27FC236}">
-                <a16:creationId xmlns:a16="http://schemas.microsoft.com/office/drawing/2014/main" xmlns="" id="{5D8F33CB-56E7-4879-8DB1-7DFF1DDE3F7A}"/>
+                <a16:creationId xmlns="" xmlns:a16="http://schemas.microsoft.com/office/drawing/2014/main" id="{5D8F33CB-56E7-4879-8DB1-7DFF1DDE3F7A}"/>
               </a:ext>
             </a:extLst>
           </p:cNvPr>
@@ -5209,7 +5209,7 @@
           <p:cNvPr id="7" name="그림 6">
             <a:extLst>
               <a:ext uri="{FF2B5EF4-FFF2-40B4-BE49-F238E27FC236}">
-                <a16:creationId xmlns:a16="http://schemas.microsoft.com/office/drawing/2014/main" xmlns="" id="{F3E5B807-59A1-4004-BB80-D4650CA4EA93}"/>
+                <a16:creationId xmlns="" xmlns:a16="http://schemas.microsoft.com/office/drawing/2014/main" id="{F3E5B807-59A1-4004-BB80-D4650CA4EA93}"/>
               </a:ext>
             </a:extLst>
           </p:cNvPr>
@@ -5437,7 +5437,7 @@
           <p:cNvPr id="4" name="직사각형 3">
             <a:extLst>
               <a:ext uri="{FF2B5EF4-FFF2-40B4-BE49-F238E27FC236}">
-                <a16:creationId xmlns:a16="http://schemas.microsoft.com/office/drawing/2014/main" xmlns="" id="{395087A4-3F15-456C-9C64-EDA56DA34F9E}"/>
+                <a16:creationId xmlns="" xmlns:a16="http://schemas.microsoft.com/office/drawing/2014/main" id="{395087A4-3F15-456C-9C64-EDA56DA34F9E}"/>
               </a:ext>
             </a:extLst>
           </p:cNvPr>
@@ -5491,7 +5491,7 @@
           <p:cNvPr id="5" name="직사각형 4">
             <a:extLst>
               <a:ext uri="{FF2B5EF4-FFF2-40B4-BE49-F238E27FC236}">
-                <a16:creationId xmlns:a16="http://schemas.microsoft.com/office/drawing/2014/main" xmlns="" id="{F30D7768-DD57-4F31-A37F-CAA802ADCDA7}"/>
+                <a16:creationId xmlns="" xmlns:a16="http://schemas.microsoft.com/office/drawing/2014/main" id="{F30D7768-DD57-4F31-A37F-CAA802ADCDA7}"/>
               </a:ext>
             </a:extLst>
           </p:cNvPr>
@@ -5543,7 +5543,7 @@
           <p:cNvPr id="6" name="이등변 삼각형 5">
             <a:extLst>
               <a:ext uri="{FF2B5EF4-FFF2-40B4-BE49-F238E27FC236}">
-                <a16:creationId xmlns:a16="http://schemas.microsoft.com/office/drawing/2014/main" xmlns="" id="{8F9CF721-3D63-4C6D-8242-F5F707B1397D}"/>
+                <a16:creationId xmlns="" xmlns:a16="http://schemas.microsoft.com/office/drawing/2014/main" id="{8F9CF721-3D63-4C6D-8242-F5F707B1397D}"/>
               </a:ext>
             </a:extLst>
           </p:cNvPr>
@@ -5595,7 +5595,7 @@
           <p:cNvPr id="7" name="TextBox 6">
             <a:extLst>
               <a:ext uri="{FF2B5EF4-FFF2-40B4-BE49-F238E27FC236}">
-                <a16:creationId xmlns:a16="http://schemas.microsoft.com/office/drawing/2014/main" xmlns="" id="{61CFD814-F7EF-4774-9C92-DB0C2CB68553}"/>
+                <a16:creationId xmlns="" xmlns:a16="http://schemas.microsoft.com/office/drawing/2014/main" id="{61CFD814-F7EF-4774-9C92-DB0C2CB68553}"/>
               </a:ext>
             </a:extLst>
           </p:cNvPr>
@@ -5635,7 +5635,7 @@
           <p:cNvPr id="8" name="직사각형 7">
             <a:extLst>
               <a:ext uri="{FF2B5EF4-FFF2-40B4-BE49-F238E27FC236}">
-                <a16:creationId xmlns:a16="http://schemas.microsoft.com/office/drawing/2014/main" xmlns="" id="{5A0424A4-D977-4C57-B6EB-62C47BC19EEC}"/>
+                <a16:creationId xmlns="" xmlns:a16="http://schemas.microsoft.com/office/drawing/2014/main" id="{5A0424A4-D977-4C57-B6EB-62C47BC19EEC}"/>
               </a:ext>
             </a:extLst>
           </p:cNvPr>
@@ -5687,7 +5687,7 @@
           <p:cNvPr id="10" name="그림 9">
             <a:extLst>
               <a:ext uri="{FF2B5EF4-FFF2-40B4-BE49-F238E27FC236}">
-                <a16:creationId xmlns:a16="http://schemas.microsoft.com/office/drawing/2014/main" xmlns="" id="{1F258291-B1F8-4EB2-B0D6-D84FEA58E997}"/>
+                <a16:creationId xmlns="" xmlns:a16="http://schemas.microsoft.com/office/drawing/2014/main" id="{1F258291-B1F8-4EB2-B0D6-D84FEA58E997}"/>
               </a:ext>
             </a:extLst>
           </p:cNvPr>
@@ -5915,7 +5915,7 @@
           <p:cNvPr id="4" name="직사각형 3">
             <a:extLst>
               <a:ext uri="{FF2B5EF4-FFF2-40B4-BE49-F238E27FC236}">
-                <a16:creationId xmlns:a16="http://schemas.microsoft.com/office/drawing/2014/main" xmlns="" id="{395087A4-3F15-456C-9C64-EDA56DA34F9E}"/>
+                <a16:creationId xmlns="" xmlns:a16="http://schemas.microsoft.com/office/drawing/2014/main" id="{395087A4-3F15-456C-9C64-EDA56DA34F9E}"/>
               </a:ext>
             </a:extLst>
           </p:cNvPr>
@@ -5969,7 +5969,7 @@
           <p:cNvPr id="5" name="직사각형 4">
             <a:extLst>
               <a:ext uri="{FF2B5EF4-FFF2-40B4-BE49-F238E27FC236}">
-                <a16:creationId xmlns:a16="http://schemas.microsoft.com/office/drawing/2014/main" xmlns="" id="{F30D7768-DD57-4F31-A37F-CAA802ADCDA7}"/>
+                <a16:creationId xmlns="" xmlns:a16="http://schemas.microsoft.com/office/drawing/2014/main" id="{F30D7768-DD57-4F31-A37F-CAA802ADCDA7}"/>
               </a:ext>
             </a:extLst>
           </p:cNvPr>
@@ -6021,7 +6021,7 @@
           <p:cNvPr id="6" name="이등변 삼각형 5">
             <a:extLst>
               <a:ext uri="{FF2B5EF4-FFF2-40B4-BE49-F238E27FC236}">
-                <a16:creationId xmlns:a16="http://schemas.microsoft.com/office/drawing/2014/main" xmlns="" id="{8F9CF721-3D63-4C6D-8242-F5F707B1397D}"/>
+                <a16:creationId xmlns="" xmlns:a16="http://schemas.microsoft.com/office/drawing/2014/main" id="{8F9CF721-3D63-4C6D-8242-F5F707B1397D}"/>
               </a:ext>
             </a:extLst>
           </p:cNvPr>
@@ -6073,7 +6073,7 @@
           <p:cNvPr id="7" name="TextBox 6">
             <a:extLst>
               <a:ext uri="{FF2B5EF4-FFF2-40B4-BE49-F238E27FC236}">
-                <a16:creationId xmlns:a16="http://schemas.microsoft.com/office/drawing/2014/main" xmlns="" id="{61CFD814-F7EF-4774-9C92-DB0C2CB68553}"/>
+                <a16:creationId xmlns="" xmlns:a16="http://schemas.microsoft.com/office/drawing/2014/main" id="{61CFD814-F7EF-4774-9C92-DB0C2CB68553}"/>
               </a:ext>
             </a:extLst>
           </p:cNvPr>
@@ -6113,7 +6113,7 @@
           <p:cNvPr id="8" name="직사각형 7">
             <a:extLst>
               <a:ext uri="{FF2B5EF4-FFF2-40B4-BE49-F238E27FC236}">
-                <a16:creationId xmlns:a16="http://schemas.microsoft.com/office/drawing/2014/main" xmlns="" id="{5A0424A4-D977-4C57-B6EB-62C47BC19EEC}"/>
+                <a16:creationId xmlns="" xmlns:a16="http://schemas.microsoft.com/office/drawing/2014/main" id="{5A0424A4-D977-4C57-B6EB-62C47BC19EEC}"/>
               </a:ext>
             </a:extLst>
           </p:cNvPr>
@@ -6165,7 +6165,7 @@
           <p:cNvPr id="3" name="그림 2">
             <a:extLst>
               <a:ext uri="{FF2B5EF4-FFF2-40B4-BE49-F238E27FC236}">
-                <a16:creationId xmlns:a16="http://schemas.microsoft.com/office/drawing/2014/main" xmlns="" id="{3F08C939-00FC-48CC-B3CC-F877B3BC99D3}"/>
+                <a16:creationId xmlns="" xmlns:a16="http://schemas.microsoft.com/office/drawing/2014/main" id="{3F08C939-00FC-48CC-B3CC-F877B3BC99D3}"/>
               </a:ext>
             </a:extLst>
           </p:cNvPr>
@@ -6393,7 +6393,7 @@
           <p:cNvPr id="4" name="직사각형 3">
             <a:extLst>
               <a:ext uri="{FF2B5EF4-FFF2-40B4-BE49-F238E27FC236}">
-                <a16:creationId xmlns:a16="http://schemas.microsoft.com/office/drawing/2014/main" xmlns="" id="{395087A4-3F15-456C-9C64-EDA56DA34F9E}"/>
+                <a16:creationId xmlns="" xmlns:a16="http://schemas.microsoft.com/office/drawing/2014/main" id="{395087A4-3F15-456C-9C64-EDA56DA34F9E}"/>
               </a:ext>
             </a:extLst>
           </p:cNvPr>
@@ -6447,7 +6447,7 @@
           <p:cNvPr id="5" name="직사각형 4">
             <a:extLst>
               <a:ext uri="{FF2B5EF4-FFF2-40B4-BE49-F238E27FC236}">
-                <a16:creationId xmlns:a16="http://schemas.microsoft.com/office/drawing/2014/main" xmlns="" id="{F30D7768-DD57-4F31-A37F-CAA802ADCDA7}"/>
+                <a16:creationId xmlns="" xmlns:a16="http://schemas.microsoft.com/office/drawing/2014/main" id="{F30D7768-DD57-4F31-A37F-CAA802ADCDA7}"/>
               </a:ext>
             </a:extLst>
           </p:cNvPr>
@@ -6499,7 +6499,7 @@
           <p:cNvPr id="6" name="이등변 삼각형 5">
             <a:extLst>
               <a:ext uri="{FF2B5EF4-FFF2-40B4-BE49-F238E27FC236}">
-                <a16:creationId xmlns:a16="http://schemas.microsoft.com/office/drawing/2014/main" xmlns="" id="{8F9CF721-3D63-4C6D-8242-F5F707B1397D}"/>
+                <a16:creationId xmlns="" xmlns:a16="http://schemas.microsoft.com/office/drawing/2014/main" id="{8F9CF721-3D63-4C6D-8242-F5F707B1397D}"/>
               </a:ext>
             </a:extLst>
           </p:cNvPr>
@@ -6551,7 +6551,7 @@
           <p:cNvPr id="7" name="TextBox 6">
             <a:extLst>
               <a:ext uri="{FF2B5EF4-FFF2-40B4-BE49-F238E27FC236}">
-                <a16:creationId xmlns:a16="http://schemas.microsoft.com/office/drawing/2014/main" xmlns="" id="{61CFD814-F7EF-4774-9C92-DB0C2CB68553}"/>
+                <a16:creationId xmlns="" xmlns:a16="http://schemas.microsoft.com/office/drawing/2014/main" id="{61CFD814-F7EF-4774-9C92-DB0C2CB68553}"/>
               </a:ext>
             </a:extLst>
           </p:cNvPr>
@@ -6591,7 +6591,7 @@
           <p:cNvPr id="8" name="직사각형 7">
             <a:extLst>
               <a:ext uri="{FF2B5EF4-FFF2-40B4-BE49-F238E27FC236}">
-                <a16:creationId xmlns:a16="http://schemas.microsoft.com/office/drawing/2014/main" xmlns="" id="{5A0424A4-D977-4C57-B6EB-62C47BC19EEC}"/>
+                <a16:creationId xmlns="" xmlns:a16="http://schemas.microsoft.com/office/drawing/2014/main" id="{5A0424A4-D977-4C57-B6EB-62C47BC19EEC}"/>
               </a:ext>
             </a:extLst>
           </p:cNvPr>
@@ -6643,7 +6643,7 @@
           <p:cNvPr id="9" name="그림 8">
             <a:extLst>
               <a:ext uri="{FF2B5EF4-FFF2-40B4-BE49-F238E27FC236}">
-                <a16:creationId xmlns:a16="http://schemas.microsoft.com/office/drawing/2014/main" xmlns="" id="{F734EAA8-350A-4CAD-8E4E-556204B69848}"/>
+                <a16:creationId xmlns="" xmlns:a16="http://schemas.microsoft.com/office/drawing/2014/main" id="{F734EAA8-350A-4CAD-8E4E-556204B69848}"/>
               </a:ext>
             </a:extLst>
           </p:cNvPr>
@@ -6871,7 +6871,7 @@
           <p:cNvPr id="4" name="직사각형 3">
             <a:extLst>
               <a:ext uri="{FF2B5EF4-FFF2-40B4-BE49-F238E27FC236}">
-                <a16:creationId xmlns:a16="http://schemas.microsoft.com/office/drawing/2014/main" xmlns="" id="{395087A4-3F15-456C-9C64-EDA56DA34F9E}"/>
+                <a16:creationId xmlns="" xmlns:a16="http://schemas.microsoft.com/office/drawing/2014/main" id="{395087A4-3F15-456C-9C64-EDA56DA34F9E}"/>
               </a:ext>
             </a:extLst>
           </p:cNvPr>
@@ -6925,7 +6925,7 @@
           <p:cNvPr id="5" name="직사각형 4">
             <a:extLst>
               <a:ext uri="{FF2B5EF4-FFF2-40B4-BE49-F238E27FC236}">
-                <a16:creationId xmlns:a16="http://schemas.microsoft.com/office/drawing/2014/main" xmlns="" id="{F30D7768-DD57-4F31-A37F-CAA802ADCDA7}"/>
+                <a16:creationId xmlns="" xmlns:a16="http://schemas.microsoft.com/office/drawing/2014/main" id="{F30D7768-DD57-4F31-A37F-CAA802ADCDA7}"/>
               </a:ext>
             </a:extLst>
           </p:cNvPr>
@@ -6977,7 +6977,7 @@
           <p:cNvPr id="6" name="이등변 삼각형 5">
             <a:extLst>
               <a:ext uri="{FF2B5EF4-FFF2-40B4-BE49-F238E27FC236}">
-                <a16:creationId xmlns:a16="http://schemas.microsoft.com/office/drawing/2014/main" xmlns="" id="{8F9CF721-3D63-4C6D-8242-F5F707B1397D}"/>
+                <a16:creationId xmlns="" xmlns:a16="http://schemas.microsoft.com/office/drawing/2014/main" id="{8F9CF721-3D63-4C6D-8242-F5F707B1397D}"/>
               </a:ext>
             </a:extLst>
           </p:cNvPr>
@@ -7029,7 +7029,7 @@
           <p:cNvPr id="7" name="TextBox 6">
             <a:extLst>
               <a:ext uri="{FF2B5EF4-FFF2-40B4-BE49-F238E27FC236}">
-                <a16:creationId xmlns:a16="http://schemas.microsoft.com/office/drawing/2014/main" xmlns="" id="{61CFD814-F7EF-4774-9C92-DB0C2CB68553}"/>
+                <a16:creationId xmlns="" xmlns:a16="http://schemas.microsoft.com/office/drawing/2014/main" id="{61CFD814-F7EF-4774-9C92-DB0C2CB68553}"/>
               </a:ext>
             </a:extLst>
           </p:cNvPr>
@@ -7072,7 +7072,7 @@
           <p:cNvPr id="8" name="직사각형 7">
             <a:extLst>
               <a:ext uri="{FF2B5EF4-FFF2-40B4-BE49-F238E27FC236}">
-                <a16:creationId xmlns:a16="http://schemas.microsoft.com/office/drawing/2014/main" xmlns="" id="{5A0424A4-D977-4C57-B6EB-62C47BC19EEC}"/>
+                <a16:creationId xmlns="" xmlns:a16="http://schemas.microsoft.com/office/drawing/2014/main" id="{5A0424A4-D977-4C57-B6EB-62C47BC19EEC}"/>
               </a:ext>
             </a:extLst>
           </p:cNvPr>
@@ -7124,7 +7124,7 @@
           <p:cNvPr id="9" name="그림 8">
             <a:extLst>
               <a:ext uri="{FF2B5EF4-FFF2-40B4-BE49-F238E27FC236}">
-                <a16:creationId xmlns:a16="http://schemas.microsoft.com/office/drawing/2014/main" xmlns="" id="{976EA6DC-F914-4D38-A521-DB177A047412}"/>
+                <a16:creationId xmlns="" xmlns:a16="http://schemas.microsoft.com/office/drawing/2014/main" id="{976EA6DC-F914-4D38-A521-DB177A047412}"/>
               </a:ext>
             </a:extLst>
           </p:cNvPr>
@@ -7306,7 +7306,7 @@
           <p:cNvPr id="4" name="직사각형 3">
             <a:extLst>
               <a:ext uri="{FF2B5EF4-FFF2-40B4-BE49-F238E27FC236}">
-                <a16:creationId xmlns:a16="http://schemas.microsoft.com/office/drawing/2014/main" xmlns="" id="{395087A4-3F15-456C-9C64-EDA56DA34F9E}"/>
+                <a16:creationId xmlns="" xmlns:a16="http://schemas.microsoft.com/office/drawing/2014/main" id="{395087A4-3F15-456C-9C64-EDA56DA34F9E}"/>
               </a:ext>
             </a:extLst>
           </p:cNvPr>
@@ -7360,7 +7360,7 @@
           <p:cNvPr id="5" name="직사각형 4">
             <a:extLst>
               <a:ext uri="{FF2B5EF4-FFF2-40B4-BE49-F238E27FC236}">
-                <a16:creationId xmlns:a16="http://schemas.microsoft.com/office/drawing/2014/main" xmlns="" id="{F30D7768-DD57-4F31-A37F-CAA802ADCDA7}"/>
+                <a16:creationId xmlns="" xmlns:a16="http://schemas.microsoft.com/office/drawing/2014/main" id="{F30D7768-DD57-4F31-A37F-CAA802ADCDA7}"/>
               </a:ext>
             </a:extLst>
           </p:cNvPr>
@@ -7412,7 +7412,7 @@
           <p:cNvPr id="6" name="이등변 삼각형 5">
             <a:extLst>
               <a:ext uri="{FF2B5EF4-FFF2-40B4-BE49-F238E27FC236}">
-                <a16:creationId xmlns:a16="http://schemas.microsoft.com/office/drawing/2014/main" xmlns="" id="{8F9CF721-3D63-4C6D-8242-F5F707B1397D}"/>
+                <a16:creationId xmlns="" xmlns:a16="http://schemas.microsoft.com/office/drawing/2014/main" id="{8F9CF721-3D63-4C6D-8242-F5F707B1397D}"/>
               </a:ext>
             </a:extLst>
           </p:cNvPr>
@@ -7464,7 +7464,7 @@
           <p:cNvPr id="7" name="TextBox 6">
             <a:extLst>
               <a:ext uri="{FF2B5EF4-FFF2-40B4-BE49-F238E27FC236}">
-                <a16:creationId xmlns:a16="http://schemas.microsoft.com/office/drawing/2014/main" xmlns="" id="{61CFD814-F7EF-4774-9C92-DB0C2CB68553}"/>
+                <a16:creationId xmlns="" xmlns:a16="http://schemas.microsoft.com/office/drawing/2014/main" id="{61CFD814-F7EF-4774-9C92-DB0C2CB68553}"/>
               </a:ext>
             </a:extLst>
           </p:cNvPr>
@@ -7507,7 +7507,7 @@
           <p:cNvPr id="8" name="직사각형 7">
             <a:extLst>
               <a:ext uri="{FF2B5EF4-FFF2-40B4-BE49-F238E27FC236}">
-                <a16:creationId xmlns:a16="http://schemas.microsoft.com/office/drawing/2014/main" xmlns="" id="{5A0424A4-D977-4C57-B6EB-62C47BC19EEC}"/>
+                <a16:creationId xmlns="" xmlns:a16="http://schemas.microsoft.com/office/drawing/2014/main" id="{5A0424A4-D977-4C57-B6EB-62C47BC19EEC}"/>
               </a:ext>
             </a:extLst>
           </p:cNvPr>
@@ -7559,7 +7559,7 @@
           <p:cNvPr id="3" name="그림 2">
             <a:extLst>
               <a:ext uri="{FF2B5EF4-FFF2-40B4-BE49-F238E27FC236}">
-                <a16:creationId xmlns:a16="http://schemas.microsoft.com/office/drawing/2014/main" xmlns="" id="{C7F3C8B2-C21D-4B3A-9DF3-DC34064E78D1}"/>
+                <a16:creationId xmlns="" xmlns:a16="http://schemas.microsoft.com/office/drawing/2014/main" id="{C7F3C8B2-C21D-4B3A-9DF3-DC34064E78D1}"/>
               </a:ext>
             </a:extLst>
           </p:cNvPr>
@@ -8055,7 +8055,7 @@
           <p:cNvPr id="9" name="TextBox 8">
             <a:extLst>
               <a:ext uri="{FF2B5EF4-FFF2-40B4-BE49-F238E27FC236}">
-                <a16:creationId xmlns:a16="http://schemas.microsoft.com/office/drawing/2014/main" xmlns="" id="{BBBDD7D8-41B5-4C81-91AC-7068E08DD1E8}"/>
+                <a16:creationId xmlns="" xmlns:a16="http://schemas.microsoft.com/office/drawing/2014/main" id="{BBBDD7D8-41B5-4C81-91AC-7068E08DD1E8}"/>
               </a:ext>
             </a:extLst>
           </p:cNvPr>
@@ -8108,7 +8108,7 @@
           <p:cNvPr id="11" name="TextBox 10">
             <a:extLst>
               <a:ext uri="{FF2B5EF4-FFF2-40B4-BE49-F238E27FC236}">
-                <a16:creationId xmlns:a16="http://schemas.microsoft.com/office/drawing/2014/main" xmlns="" id="{1ED194D1-FCD8-4547-9570-EDC4AC3462B9}"/>
+                <a16:creationId xmlns="" xmlns:a16="http://schemas.microsoft.com/office/drawing/2014/main" id="{1ED194D1-FCD8-4547-9570-EDC4AC3462B9}"/>
               </a:ext>
             </a:extLst>
           </p:cNvPr>
@@ -8166,6 +8166,13 @@
   <p:clrMapOvr>
     <a:masterClrMapping/>
   </p:clrMapOvr>
+  <p:timing>
+    <p:tnLst>
+      <p:par>
+        <p:cTn id="1" dur="indefinite" restart="never" nodeType="tmRoot"/>
+      </p:par>
+    </p:tnLst>
+  </p:timing>
 </p:sld>
 </file>
 
@@ -8242,30 +8249,44 @@
       </p:pic>
       <p:sp>
         <p:nvSpPr>
-          <p:cNvPr id="6" name="직사각형 5"/>
+          <p:cNvPr id="2" name="직사각형 1">
+            <a:hlinkClick r:id="rId3"/>
+          </p:cNvPr>
           <p:cNvSpPr/>
           <p:nvPr/>
         </p:nvSpPr>
         <p:spPr>
           <a:xfrm>
-            <a:off x="4056178" y="6242907"/>
-            <a:ext cx="4079643" cy="369332"/>
+            <a:off x="741405" y="5799438"/>
+            <a:ext cx="650790" cy="443469"/>
           </a:xfrm>
           <a:prstGeom prst="rect">
             <a:avLst/>
           </a:prstGeom>
-        </p:spPr>
-        <p:txBody>
-          <a:bodyPr wrap="none">
-            <a:spAutoFit/>
-          </a:bodyPr>
-          <a:lstStyle/>
-          <a:p>
+          <a:ln/>
+        </p:spPr>
+        <p:style>
+          <a:lnRef idx="2">
+            <a:schemeClr val="dk1"/>
+          </a:lnRef>
+          <a:fillRef idx="1">
+            <a:schemeClr val="lt1"/>
+          </a:fillRef>
+          <a:effectRef idx="0">
+            <a:schemeClr val="dk1"/>
+          </a:effectRef>
+          <a:fontRef idx="minor">
+            <a:schemeClr val="dk1"/>
+          </a:fontRef>
+        </p:style>
+        <p:txBody>
+          <a:bodyPr rtlCol="0" anchor="ctr"/>
+          <a:lstStyle/>
+          <a:p>
+            <a:pPr algn="ctr"/>
             <a:r>
-              <a:rPr lang="en-US" altLang="ko-KR" dirty="0">
-                <a:hlinkClick r:id="rId3"/>
-              </a:rPr>
-              <a:t>https://matthewlein.com/tools/ceaser</a:t>
+              <a:rPr lang="en-US" altLang="ko-KR" dirty="0" smtClean="0"/>
+              <a:t>link</a:t>
             </a:r>
             <a:endParaRPr lang="ko-KR" altLang="en-US" dirty="0"/>
           </a:p>
@@ -8489,30 +8510,44 @@
       </p:pic>
       <p:sp>
         <p:nvSpPr>
-          <p:cNvPr id="5" name="직사각형 4"/>
+          <p:cNvPr id="7" name="직사각형 6">
+            <a:hlinkClick r:id="rId3"/>
+          </p:cNvPr>
           <p:cNvSpPr/>
           <p:nvPr/>
         </p:nvSpPr>
         <p:spPr>
           <a:xfrm>
-            <a:off x="1931773" y="6260927"/>
-            <a:ext cx="8328454" cy="369332"/>
+            <a:off x="741405" y="5799438"/>
+            <a:ext cx="650790" cy="443469"/>
           </a:xfrm>
           <a:prstGeom prst="rect">
             <a:avLst/>
           </a:prstGeom>
-        </p:spPr>
-        <p:txBody>
-          <a:bodyPr wrap="square">
-            <a:spAutoFit/>
-          </a:bodyPr>
-          <a:lstStyle/>
-          <a:p>
+          <a:ln/>
+        </p:spPr>
+        <p:style>
+          <a:lnRef idx="2">
+            <a:schemeClr val="dk1"/>
+          </a:lnRef>
+          <a:fillRef idx="1">
+            <a:schemeClr val="lt1"/>
+          </a:fillRef>
+          <a:effectRef idx="0">
+            <a:schemeClr val="dk1"/>
+          </a:effectRef>
+          <a:fontRef idx="minor">
+            <a:schemeClr val="dk1"/>
+          </a:fontRef>
+        </p:style>
+        <p:txBody>
+          <a:bodyPr rtlCol="0" anchor="ctr"/>
+          <a:lstStyle/>
+          <a:p>
+            <a:pPr algn="ctr"/>
             <a:r>
-              <a:rPr lang="en-US" altLang="ko-KR" dirty="0">
-                <a:hlinkClick r:id="rId3"/>
-              </a:rPr>
-              <a:t>https://developer.mozilla.org/en-US/docs/Web/CSS/easing-function</a:t>
+              <a:rPr lang="en-US" altLang="ko-KR" dirty="0" smtClean="0"/>
+              <a:t>link</a:t>
             </a:r>
             <a:endParaRPr lang="ko-KR" altLang="en-US" dirty="0"/>
           </a:p>
@@ -8685,7 +8720,7 @@
           <p:cNvPr id="6" name="직사각형 5">
             <a:extLst>
               <a:ext uri="{FF2B5EF4-FFF2-40B4-BE49-F238E27FC236}">
-                <a16:creationId xmlns:a16="http://schemas.microsoft.com/office/drawing/2014/main" xmlns="" id="{38EA09AD-8448-4FEB-9132-C27593BC4451}"/>
+                <a16:creationId xmlns="" xmlns:a16="http://schemas.microsoft.com/office/drawing/2014/main" id="{38EA09AD-8448-4FEB-9132-C27593BC4451}"/>
               </a:ext>
             </a:extLst>
           </p:cNvPr>
@@ -8739,7 +8774,7 @@
           <p:cNvPr id="7" name="직사각형 6">
             <a:extLst>
               <a:ext uri="{FF2B5EF4-FFF2-40B4-BE49-F238E27FC236}">
-                <a16:creationId xmlns:a16="http://schemas.microsoft.com/office/drawing/2014/main" xmlns="" id="{9BB8C114-7CC6-4A03-A3F9-8346B69DBAE3}"/>
+                <a16:creationId xmlns="" xmlns:a16="http://schemas.microsoft.com/office/drawing/2014/main" id="{9BB8C114-7CC6-4A03-A3F9-8346B69DBAE3}"/>
               </a:ext>
             </a:extLst>
           </p:cNvPr>
@@ -8791,7 +8826,7 @@
           <p:cNvPr id="8" name="이등변 삼각형 7">
             <a:extLst>
               <a:ext uri="{FF2B5EF4-FFF2-40B4-BE49-F238E27FC236}">
-                <a16:creationId xmlns:a16="http://schemas.microsoft.com/office/drawing/2014/main" xmlns="" id="{81AAEB55-CCCC-4E59-B882-3905865808D9}"/>
+                <a16:creationId xmlns="" xmlns:a16="http://schemas.microsoft.com/office/drawing/2014/main" id="{81AAEB55-CCCC-4E59-B882-3905865808D9}"/>
               </a:ext>
             </a:extLst>
           </p:cNvPr>
@@ -8843,7 +8878,7 @@
           <p:cNvPr id="9" name="TextBox 8">
             <a:extLst>
               <a:ext uri="{FF2B5EF4-FFF2-40B4-BE49-F238E27FC236}">
-                <a16:creationId xmlns:a16="http://schemas.microsoft.com/office/drawing/2014/main" xmlns="" id="{BB8BC1B1-E1C2-445B-A1D4-499CB13B74A7}"/>
+                <a16:creationId xmlns="" xmlns:a16="http://schemas.microsoft.com/office/drawing/2014/main" id="{BB8BC1B1-E1C2-445B-A1D4-499CB13B74A7}"/>
               </a:ext>
             </a:extLst>
           </p:cNvPr>
@@ -8880,7 +8915,7 @@
           <p:cNvPr id="10" name="직사각형 9">
             <a:extLst>
               <a:ext uri="{FF2B5EF4-FFF2-40B4-BE49-F238E27FC236}">
-                <a16:creationId xmlns:a16="http://schemas.microsoft.com/office/drawing/2014/main" xmlns="" id="{F8C96C1D-28C5-40B6-896E-02DD639971D3}"/>
+                <a16:creationId xmlns="" xmlns:a16="http://schemas.microsoft.com/office/drawing/2014/main" id="{F8C96C1D-28C5-40B6-896E-02DD639971D3}"/>
               </a:ext>
             </a:extLst>
           </p:cNvPr>
@@ -8932,7 +8967,7 @@
           <p:cNvPr id="11" name="연결선: 꺾임 10">
             <a:extLst>
               <a:ext uri="{FF2B5EF4-FFF2-40B4-BE49-F238E27FC236}">
-                <a16:creationId xmlns:a16="http://schemas.microsoft.com/office/drawing/2014/main" xmlns="" id="{2D4DA461-473C-45A5-AED1-729C135163C5}"/>
+                <a16:creationId xmlns="" xmlns:a16="http://schemas.microsoft.com/office/drawing/2014/main" id="{2D4DA461-473C-45A5-AED1-729C135163C5}"/>
               </a:ext>
             </a:extLst>
           </p:cNvPr>
@@ -8975,7 +9010,7 @@
           <p:cNvPr id="18" name="TextBox 17">
             <a:extLst>
               <a:ext uri="{FF2B5EF4-FFF2-40B4-BE49-F238E27FC236}">
-                <a16:creationId xmlns:a16="http://schemas.microsoft.com/office/drawing/2014/main" xmlns="" id="{39A8AF12-E09C-4A02-B2DF-B98213415EE1}"/>
+                <a16:creationId xmlns="" xmlns:a16="http://schemas.microsoft.com/office/drawing/2014/main" id="{39A8AF12-E09C-4A02-B2DF-B98213415EE1}"/>
               </a:ext>
             </a:extLst>
           </p:cNvPr>
@@ -9059,7 +9094,7 @@
           <p:cNvPr id="27" name="연결선: 꺾임 26">
             <a:extLst>
               <a:ext uri="{FF2B5EF4-FFF2-40B4-BE49-F238E27FC236}">
-                <a16:creationId xmlns:a16="http://schemas.microsoft.com/office/drawing/2014/main" xmlns="" id="{846DA0D2-5210-4C1A-8CC0-500D2FAA07D1}"/>
+                <a16:creationId xmlns="" xmlns:a16="http://schemas.microsoft.com/office/drawing/2014/main" id="{846DA0D2-5210-4C1A-8CC0-500D2FAA07D1}"/>
               </a:ext>
             </a:extLst>
           </p:cNvPr>
@@ -9102,7 +9137,7 @@
           <p:cNvPr id="28" name="연결선: 꺾임 27">
             <a:extLst>
               <a:ext uri="{FF2B5EF4-FFF2-40B4-BE49-F238E27FC236}">
-                <a16:creationId xmlns:a16="http://schemas.microsoft.com/office/drawing/2014/main" xmlns="" id="{3F8B6295-B269-4BBA-9500-D68A424D953E}"/>
+                <a16:creationId xmlns="" xmlns:a16="http://schemas.microsoft.com/office/drawing/2014/main" id="{3F8B6295-B269-4BBA-9500-D68A424D953E}"/>
               </a:ext>
             </a:extLst>
           </p:cNvPr>
@@ -9625,7 +9660,7 @@
           <p:cNvPr id="9" name="TextBox 8">
             <a:extLst>
               <a:ext uri="{FF2B5EF4-FFF2-40B4-BE49-F238E27FC236}">
-                <a16:creationId xmlns:a16="http://schemas.microsoft.com/office/drawing/2014/main" xmlns="" id="{642FD864-D7FD-450D-B714-FB9DE1204AA1}"/>
+                <a16:creationId xmlns="" xmlns:a16="http://schemas.microsoft.com/office/drawing/2014/main" id="{642FD864-D7FD-450D-B714-FB9DE1204AA1}"/>
               </a:ext>
             </a:extLst>
           </p:cNvPr>
@@ -9683,6 +9718,13 @@
   <p:clrMapOvr>
     <a:masterClrMapping/>
   </p:clrMapOvr>
+  <p:timing>
+    <p:tnLst>
+      <p:par>
+        <p:cTn id="1" dur="indefinite" restart="never" nodeType="tmRoot"/>
+      </p:par>
+    </p:tnLst>
+  </p:timing>
 </p:sld>
 </file>
 
@@ -9708,7 +9750,7 @@
           <p:cNvPr id="6" name="직사각형 5">
             <a:extLst>
               <a:ext uri="{FF2B5EF4-FFF2-40B4-BE49-F238E27FC236}">
-                <a16:creationId xmlns:a16="http://schemas.microsoft.com/office/drawing/2014/main" xmlns="" id="{38EA09AD-8448-4FEB-9132-C27593BC4451}"/>
+                <a16:creationId xmlns="" xmlns:a16="http://schemas.microsoft.com/office/drawing/2014/main" id="{38EA09AD-8448-4FEB-9132-C27593BC4451}"/>
               </a:ext>
             </a:extLst>
           </p:cNvPr>
@@ -9762,7 +9804,7 @@
           <p:cNvPr id="7" name="직사각형 6">
             <a:extLst>
               <a:ext uri="{FF2B5EF4-FFF2-40B4-BE49-F238E27FC236}">
-                <a16:creationId xmlns:a16="http://schemas.microsoft.com/office/drawing/2014/main" xmlns="" id="{9BB8C114-7CC6-4A03-A3F9-8346B69DBAE3}"/>
+                <a16:creationId xmlns="" xmlns:a16="http://schemas.microsoft.com/office/drawing/2014/main" id="{9BB8C114-7CC6-4A03-A3F9-8346B69DBAE3}"/>
               </a:ext>
             </a:extLst>
           </p:cNvPr>
@@ -9814,7 +9856,7 @@
           <p:cNvPr id="8" name="이등변 삼각형 7">
             <a:extLst>
               <a:ext uri="{FF2B5EF4-FFF2-40B4-BE49-F238E27FC236}">
-                <a16:creationId xmlns:a16="http://schemas.microsoft.com/office/drawing/2014/main" xmlns="" id="{81AAEB55-CCCC-4E59-B882-3905865808D9}"/>
+                <a16:creationId xmlns="" xmlns:a16="http://schemas.microsoft.com/office/drawing/2014/main" id="{81AAEB55-CCCC-4E59-B882-3905865808D9}"/>
               </a:ext>
             </a:extLst>
           </p:cNvPr>
@@ -9866,7 +9908,7 @@
           <p:cNvPr id="9" name="TextBox 8">
             <a:extLst>
               <a:ext uri="{FF2B5EF4-FFF2-40B4-BE49-F238E27FC236}">
-                <a16:creationId xmlns:a16="http://schemas.microsoft.com/office/drawing/2014/main" xmlns="" id="{BB8BC1B1-E1C2-445B-A1D4-499CB13B74A7}"/>
+                <a16:creationId xmlns="" xmlns:a16="http://schemas.microsoft.com/office/drawing/2014/main" id="{BB8BC1B1-E1C2-445B-A1D4-499CB13B74A7}"/>
               </a:ext>
             </a:extLst>
           </p:cNvPr>
@@ -9903,7 +9945,7 @@
           <p:cNvPr id="10" name="직사각형 9">
             <a:extLst>
               <a:ext uri="{FF2B5EF4-FFF2-40B4-BE49-F238E27FC236}">
-                <a16:creationId xmlns:a16="http://schemas.microsoft.com/office/drawing/2014/main" xmlns="" id="{F8C96C1D-28C5-40B6-896E-02DD639971D3}"/>
+                <a16:creationId xmlns="" xmlns:a16="http://schemas.microsoft.com/office/drawing/2014/main" id="{F8C96C1D-28C5-40B6-896E-02DD639971D3}"/>
               </a:ext>
             </a:extLst>
           </p:cNvPr>
@@ -9955,7 +9997,7 @@
           <p:cNvPr id="13" name="그림 12">
             <a:extLst>
               <a:ext uri="{FF2B5EF4-FFF2-40B4-BE49-F238E27FC236}">
-                <a16:creationId xmlns:a16="http://schemas.microsoft.com/office/drawing/2014/main" xmlns="" id="{850E1F78-7CD1-4D6B-857C-1E02FF0A9EA2}"/>
+                <a16:creationId xmlns="" xmlns:a16="http://schemas.microsoft.com/office/drawing/2014/main" id="{850E1F78-7CD1-4D6B-857C-1E02FF0A9EA2}"/>
               </a:ext>
             </a:extLst>
           </p:cNvPr>
@@ -10021,7 +10063,7 @@
           <p:cNvPr id="15" name="그림 14">
             <a:extLst>
               <a:ext uri="{FF2B5EF4-FFF2-40B4-BE49-F238E27FC236}">
-                <a16:creationId xmlns:a16="http://schemas.microsoft.com/office/drawing/2014/main" xmlns="" id="{7E3768D6-5F27-4C5C-BED4-F683CACEE922}"/>
+                <a16:creationId xmlns="" xmlns:a16="http://schemas.microsoft.com/office/drawing/2014/main" id="{7E3768D6-5F27-4C5C-BED4-F683CACEE922}"/>
               </a:ext>
             </a:extLst>
           </p:cNvPr>
@@ -10083,7 +10125,7 @@
             <a:hlinkClick r:id="rId4"/>
             <a:extLst>
               <a:ext uri="{FF2B5EF4-FFF2-40B4-BE49-F238E27FC236}">
-                <a16:creationId xmlns:a16="http://schemas.microsoft.com/office/drawing/2014/main" xmlns="" id="{DB2F42D4-7E95-4A2D-9E65-D745869EBD5D}"/>
+                <a16:creationId xmlns="" xmlns:a16="http://schemas.microsoft.com/office/drawing/2014/main" id="{DB2F42D4-7E95-4A2D-9E65-D745869EBD5D}"/>
               </a:ext>
             </a:extLst>
           </p:cNvPr>
@@ -10435,7 +10477,7 @@
           <p:cNvPr id="2" name="직사각형 1">
             <a:extLst>
               <a:ext uri="{FF2B5EF4-FFF2-40B4-BE49-F238E27FC236}">
-                <a16:creationId xmlns:a16="http://schemas.microsoft.com/office/drawing/2014/main" xmlns="" id="{4B5446D2-C87E-4BC2-A17E-F3CF496E3C04}"/>
+                <a16:creationId xmlns="" xmlns:a16="http://schemas.microsoft.com/office/drawing/2014/main" id="{4B5446D2-C87E-4BC2-A17E-F3CF496E3C04}"/>
               </a:ext>
             </a:extLst>
           </p:cNvPr>
@@ -10487,7 +10529,7 @@
           <p:cNvPr id="3" name="이등변 삼각형 2">
             <a:extLst>
               <a:ext uri="{FF2B5EF4-FFF2-40B4-BE49-F238E27FC236}">
-                <a16:creationId xmlns:a16="http://schemas.microsoft.com/office/drawing/2014/main" xmlns="" id="{996FD705-ECFB-46C2-9F8B-119CA31B449E}"/>
+                <a16:creationId xmlns="" xmlns:a16="http://schemas.microsoft.com/office/drawing/2014/main" id="{996FD705-ECFB-46C2-9F8B-119CA31B449E}"/>
               </a:ext>
             </a:extLst>
           </p:cNvPr>
@@ -10539,7 +10581,7 @@
           <p:cNvPr id="14" name="TextBox 13">
             <a:extLst>
               <a:ext uri="{FF2B5EF4-FFF2-40B4-BE49-F238E27FC236}">
-                <a16:creationId xmlns:a16="http://schemas.microsoft.com/office/drawing/2014/main" xmlns="" id="{42A137DB-5455-4F20-9D36-B79BCC9A11B3}"/>
+                <a16:creationId xmlns="" xmlns:a16="http://schemas.microsoft.com/office/drawing/2014/main" id="{42A137DB-5455-4F20-9D36-B79BCC9A11B3}"/>
               </a:ext>
             </a:extLst>
           </p:cNvPr>
@@ -10588,7 +10630,7 @@
           <p:cNvPr id="15" name="직사각형 14">
             <a:extLst>
               <a:ext uri="{FF2B5EF4-FFF2-40B4-BE49-F238E27FC236}">
-                <a16:creationId xmlns:a16="http://schemas.microsoft.com/office/drawing/2014/main" xmlns="" id="{48A1B930-B924-4D86-8709-AF6EE2CDB5D0}"/>
+                <a16:creationId xmlns="" xmlns:a16="http://schemas.microsoft.com/office/drawing/2014/main" id="{48A1B930-B924-4D86-8709-AF6EE2CDB5D0}"/>
               </a:ext>
             </a:extLst>
           </p:cNvPr>
@@ -10640,7 +10682,7 @@
           <p:cNvPr id="6" name="그림 5">
             <a:extLst>
               <a:ext uri="{FF2B5EF4-FFF2-40B4-BE49-F238E27FC236}">
-                <a16:creationId xmlns:a16="http://schemas.microsoft.com/office/drawing/2014/main" xmlns="" id="{13576E14-EB4F-4626-814B-D22369297134}"/>
+                <a16:creationId xmlns="" xmlns:a16="http://schemas.microsoft.com/office/drawing/2014/main" id="{13576E14-EB4F-4626-814B-D22369297134}"/>
               </a:ext>
             </a:extLst>
           </p:cNvPr>
@@ -10997,7 +11039,7 @@
           <p:cNvPr id="2" name="직사각형 1">
             <a:extLst>
               <a:ext uri="{FF2B5EF4-FFF2-40B4-BE49-F238E27FC236}">
-                <a16:creationId xmlns:a16="http://schemas.microsoft.com/office/drawing/2014/main" xmlns="" id="{4B5446D2-C87E-4BC2-A17E-F3CF496E3C04}"/>
+                <a16:creationId xmlns="" xmlns:a16="http://schemas.microsoft.com/office/drawing/2014/main" id="{4B5446D2-C87E-4BC2-A17E-F3CF496E3C04}"/>
               </a:ext>
             </a:extLst>
           </p:cNvPr>
@@ -11049,7 +11091,7 @@
           <p:cNvPr id="3" name="이등변 삼각형 2">
             <a:extLst>
               <a:ext uri="{FF2B5EF4-FFF2-40B4-BE49-F238E27FC236}">
-                <a16:creationId xmlns:a16="http://schemas.microsoft.com/office/drawing/2014/main" xmlns="" id="{996FD705-ECFB-46C2-9F8B-119CA31B449E}"/>
+                <a16:creationId xmlns="" xmlns:a16="http://schemas.microsoft.com/office/drawing/2014/main" id="{996FD705-ECFB-46C2-9F8B-119CA31B449E}"/>
               </a:ext>
             </a:extLst>
           </p:cNvPr>
@@ -11101,7 +11143,7 @@
           <p:cNvPr id="12" name="TextBox 11">
             <a:extLst>
               <a:ext uri="{FF2B5EF4-FFF2-40B4-BE49-F238E27FC236}">
-                <a16:creationId xmlns:a16="http://schemas.microsoft.com/office/drawing/2014/main" xmlns="" id="{D81C34EC-940A-4FBE-AB3A-010C216C9D9B}"/>
+                <a16:creationId xmlns="" xmlns:a16="http://schemas.microsoft.com/office/drawing/2014/main" id="{D81C34EC-940A-4FBE-AB3A-010C216C9D9B}"/>
               </a:ext>
             </a:extLst>
           </p:cNvPr>
@@ -11159,7 +11201,7 @@
           <p:cNvPr id="13" name="직사각형 12">
             <a:extLst>
               <a:ext uri="{FF2B5EF4-FFF2-40B4-BE49-F238E27FC236}">
-                <a16:creationId xmlns:a16="http://schemas.microsoft.com/office/drawing/2014/main" xmlns="" id="{840597EA-77FC-4240-9129-422BB1270AAD}"/>
+                <a16:creationId xmlns="" xmlns:a16="http://schemas.microsoft.com/office/drawing/2014/main" id="{840597EA-77FC-4240-9129-422BB1270AAD}"/>
               </a:ext>
             </a:extLst>
           </p:cNvPr>
@@ -11211,7 +11253,7 @@
           <p:cNvPr id="9" name="그림 8">
             <a:extLst>
               <a:ext uri="{FF2B5EF4-FFF2-40B4-BE49-F238E27FC236}">
-                <a16:creationId xmlns:a16="http://schemas.microsoft.com/office/drawing/2014/main" xmlns="" id="{5AE332CB-A1E1-4EDA-BB3E-666536EFD807}"/>
+                <a16:creationId xmlns="" xmlns:a16="http://schemas.microsoft.com/office/drawing/2014/main" id="{5AE332CB-A1E1-4EDA-BB3E-666536EFD807}"/>
               </a:ext>
             </a:extLst>
           </p:cNvPr>
@@ -11256,7 +11298,7 @@
           <p:cNvPr id="6" name="그림 5">
             <a:extLst>
               <a:ext uri="{FF2B5EF4-FFF2-40B4-BE49-F238E27FC236}">
-                <a16:creationId xmlns:a16="http://schemas.microsoft.com/office/drawing/2014/main" xmlns="" id="{E416A58F-3363-43E2-8EB8-E605FB9044A3}"/>
+                <a16:creationId xmlns="" xmlns:a16="http://schemas.microsoft.com/office/drawing/2014/main" id="{E416A58F-3363-43E2-8EB8-E605FB9044A3}"/>
               </a:ext>
             </a:extLst>
           </p:cNvPr>
@@ -11571,7 +11613,7 @@
           <p:cNvPr id="2" name="직사각형 1">
             <a:extLst>
               <a:ext uri="{FF2B5EF4-FFF2-40B4-BE49-F238E27FC236}">
-                <a16:creationId xmlns:a16="http://schemas.microsoft.com/office/drawing/2014/main" xmlns="" id="{4B5446D2-C87E-4BC2-A17E-F3CF496E3C04}"/>
+                <a16:creationId xmlns="" xmlns:a16="http://schemas.microsoft.com/office/drawing/2014/main" id="{4B5446D2-C87E-4BC2-A17E-F3CF496E3C04}"/>
               </a:ext>
             </a:extLst>
           </p:cNvPr>
@@ -11623,7 +11665,7 @@
           <p:cNvPr id="3" name="이등변 삼각형 2">
             <a:extLst>
               <a:ext uri="{FF2B5EF4-FFF2-40B4-BE49-F238E27FC236}">
-                <a16:creationId xmlns:a16="http://schemas.microsoft.com/office/drawing/2014/main" xmlns="" id="{996FD705-ECFB-46C2-9F8B-119CA31B449E}"/>
+                <a16:creationId xmlns="" xmlns:a16="http://schemas.microsoft.com/office/drawing/2014/main" id="{996FD705-ECFB-46C2-9F8B-119CA31B449E}"/>
               </a:ext>
             </a:extLst>
           </p:cNvPr>
@@ -11675,7 +11717,7 @@
           <p:cNvPr id="12" name="그림 11">
             <a:extLst>
               <a:ext uri="{FF2B5EF4-FFF2-40B4-BE49-F238E27FC236}">
-                <a16:creationId xmlns:a16="http://schemas.microsoft.com/office/drawing/2014/main" xmlns="" id="{E022972C-71B9-4CA8-A896-D42E787F56EE}"/>
+                <a16:creationId xmlns="" xmlns:a16="http://schemas.microsoft.com/office/drawing/2014/main" id="{E022972C-71B9-4CA8-A896-D42E787F56EE}"/>
               </a:ext>
             </a:extLst>
           </p:cNvPr>
@@ -11741,7 +11783,7 @@
           <p:cNvPr id="16" name="TextBox 15">
             <a:extLst>
               <a:ext uri="{FF2B5EF4-FFF2-40B4-BE49-F238E27FC236}">
-                <a16:creationId xmlns:a16="http://schemas.microsoft.com/office/drawing/2014/main" xmlns="" id="{DABC962D-CE36-41D3-9A8F-AAA7203DEC3A}"/>
+                <a16:creationId xmlns="" xmlns:a16="http://schemas.microsoft.com/office/drawing/2014/main" id="{DABC962D-CE36-41D3-9A8F-AAA7203DEC3A}"/>
               </a:ext>
             </a:extLst>
           </p:cNvPr>
@@ -11781,7 +11823,7 @@
           <p:cNvPr id="17" name="직사각형 16">
             <a:extLst>
               <a:ext uri="{FF2B5EF4-FFF2-40B4-BE49-F238E27FC236}">
-                <a16:creationId xmlns:a16="http://schemas.microsoft.com/office/drawing/2014/main" xmlns="" id="{9CBDA4BD-E14E-4B54-B1C9-F04DA59B0468}"/>
+                <a16:creationId xmlns="" xmlns:a16="http://schemas.microsoft.com/office/drawing/2014/main" id="{9CBDA4BD-E14E-4B54-B1C9-F04DA59B0468}"/>
               </a:ext>
             </a:extLst>
           </p:cNvPr>
@@ -12263,7 +12305,7 @@
           <p:cNvPr id="11" name="TextBox 10">
             <a:extLst>
               <a:ext uri="{FF2B5EF4-FFF2-40B4-BE49-F238E27FC236}">
-                <a16:creationId xmlns:a16="http://schemas.microsoft.com/office/drawing/2014/main" xmlns="" id="{BC0D9E20-8CDF-46A8-A7C4-1FD7742967F4}"/>
+                <a16:creationId xmlns="" xmlns:a16="http://schemas.microsoft.com/office/drawing/2014/main" id="{BC0D9E20-8CDF-46A8-A7C4-1FD7742967F4}"/>
               </a:ext>
             </a:extLst>
           </p:cNvPr>
@@ -12316,7 +12358,7 @@
           <p:cNvPr id="9" name="TextBox 8">
             <a:extLst>
               <a:ext uri="{FF2B5EF4-FFF2-40B4-BE49-F238E27FC236}">
-                <a16:creationId xmlns:a16="http://schemas.microsoft.com/office/drawing/2014/main" xmlns="" id="{8A6FC747-4E04-4BC0-A361-D40F02BD18C0}"/>
+                <a16:creationId xmlns="" xmlns:a16="http://schemas.microsoft.com/office/drawing/2014/main" id="{8A6FC747-4E04-4BC0-A361-D40F02BD18C0}"/>
               </a:ext>
             </a:extLst>
           </p:cNvPr>
@@ -12374,6 +12416,13 @@
   <p:clrMapOvr>
     <a:masterClrMapping/>
   </p:clrMapOvr>
+  <p:timing>
+    <p:tnLst>
+      <p:par>
+        <p:cTn id="1" dur="indefinite" restart="never" nodeType="tmRoot"/>
+      </p:par>
+    </p:tnLst>
+  </p:timing>
 </p:sld>
 </file>
 
@@ -12399,7 +12448,7 @@
           <p:cNvPr id="9" name="직사각형 8">
             <a:extLst>
               <a:ext uri="{FF2B5EF4-FFF2-40B4-BE49-F238E27FC236}">
-                <a16:creationId xmlns:a16="http://schemas.microsoft.com/office/drawing/2014/main" xmlns="" id="{39A510E2-D9D5-4D5A-A304-57829E4DA548}"/>
+                <a16:creationId xmlns="" xmlns:a16="http://schemas.microsoft.com/office/drawing/2014/main" id="{39A510E2-D9D5-4D5A-A304-57829E4DA548}"/>
               </a:ext>
             </a:extLst>
           </p:cNvPr>
@@ -12453,7 +12502,7 @@
           <p:cNvPr id="4" name="직사각형 3">
             <a:extLst>
               <a:ext uri="{FF2B5EF4-FFF2-40B4-BE49-F238E27FC236}">
-                <a16:creationId xmlns:a16="http://schemas.microsoft.com/office/drawing/2014/main" xmlns="" id="{905A6768-C509-40A1-8F38-868F5189A211}"/>
+                <a16:creationId xmlns="" xmlns:a16="http://schemas.microsoft.com/office/drawing/2014/main" id="{905A6768-C509-40A1-8F38-868F5189A211}"/>
               </a:ext>
             </a:extLst>
           </p:cNvPr>
@@ -12505,7 +12554,7 @@
           <p:cNvPr id="5" name="이등변 삼각형 4">
             <a:extLst>
               <a:ext uri="{FF2B5EF4-FFF2-40B4-BE49-F238E27FC236}">
-                <a16:creationId xmlns:a16="http://schemas.microsoft.com/office/drawing/2014/main" xmlns="" id="{3D646951-F794-4A1A-A846-4AE70C9462AB}"/>
+                <a16:creationId xmlns="" xmlns:a16="http://schemas.microsoft.com/office/drawing/2014/main" id="{3D646951-F794-4A1A-A846-4AE70C9462AB}"/>
               </a:ext>
             </a:extLst>
           </p:cNvPr>
@@ -12557,7 +12606,7 @@
           <p:cNvPr id="12" name="TextBox 11">
             <a:extLst>
               <a:ext uri="{FF2B5EF4-FFF2-40B4-BE49-F238E27FC236}">
-                <a16:creationId xmlns:a16="http://schemas.microsoft.com/office/drawing/2014/main" xmlns="" id="{31E605E2-AEEC-499B-AFC5-D65ACDFD62AA}"/>
+                <a16:creationId xmlns="" xmlns:a16="http://schemas.microsoft.com/office/drawing/2014/main" id="{31E605E2-AEEC-499B-AFC5-D65ACDFD62AA}"/>
               </a:ext>
             </a:extLst>
           </p:cNvPr>
@@ -12597,7 +12646,7 @@
           <p:cNvPr id="13" name="직사각형 12">
             <a:extLst>
               <a:ext uri="{FF2B5EF4-FFF2-40B4-BE49-F238E27FC236}">
-                <a16:creationId xmlns:a16="http://schemas.microsoft.com/office/drawing/2014/main" xmlns="" id="{A395A518-53D0-42C5-A0D6-7783705D54B1}"/>
+                <a16:creationId xmlns="" xmlns:a16="http://schemas.microsoft.com/office/drawing/2014/main" id="{A395A518-53D0-42C5-A0D6-7783705D54B1}"/>
               </a:ext>
             </a:extLst>
           </p:cNvPr>
@@ -12649,7 +12698,7 @@
           <p:cNvPr id="11" name="그림 10">
             <a:extLst>
               <a:ext uri="{FF2B5EF4-FFF2-40B4-BE49-F238E27FC236}">
-                <a16:creationId xmlns:a16="http://schemas.microsoft.com/office/drawing/2014/main" xmlns="" id="{9D1455E1-3119-48B3-8B58-EA8751265818}"/>
+                <a16:creationId xmlns="" xmlns:a16="http://schemas.microsoft.com/office/drawing/2014/main" id="{9D1455E1-3119-48B3-8B58-EA8751265818}"/>
               </a:ext>
             </a:extLst>
           </p:cNvPr>
